--- a/ppt 16-9/0162.普世欢腾.pptx
+++ b/ppt 16-9/0162.普世欢腾.pptx
@@ -129,7 +129,7 @@
           <p:cNvPr id="2" name="标题 1">
             <a:extLst>
               <a:ext uri="{FF2B5EF4-FFF2-40B4-BE49-F238E27FC236}">
-                <a16:creationId xmlns:a16="http://schemas.microsoft.com/office/drawing/2014/main" id="{4079CC5E-5869-A5CF-7BEB-B42D087D55FF}"/>
+                <a16:creationId xmlns:a16="http://schemas.microsoft.com/office/drawing/2014/main" id="{66A2B061-2AB9-F922-292A-4C9603F10BDA}"/>
               </a:ext>
             </a:extLst>
           </p:cNvPr>
@@ -166,7 +166,7 @@
           <p:cNvPr id="3" name="副标题 2">
             <a:extLst>
               <a:ext uri="{FF2B5EF4-FFF2-40B4-BE49-F238E27FC236}">
-                <a16:creationId xmlns:a16="http://schemas.microsoft.com/office/drawing/2014/main" id="{A0A6829A-C4D1-6DCF-70BE-B1502E1E8059}"/>
+                <a16:creationId xmlns:a16="http://schemas.microsoft.com/office/drawing/2014/main" id="{593C4CB0-4504-5A4A-270F-C6AAD516692D}"/>
               </a:ext>
             </a:extLst>
           </p:cNvPr>
@@ -236,7 +236,7 @@
           <p:cNvPr id="4" name="日期占位符 3">
             <a:extLst>
               <a:ext uri="{FF2B5EF4-FFF2-40B4-BE49-F238E27FC236}">
-                <a16:creationId xmlns:a16="http://schemas.microsoft.com/office/drawing/2014/main" id="{E49331AF-2157-80CF-C32A-A6FDB03A76AA}"/>
+                <a16:creationId xmlns:a16="http://schemas.microsoft.com/office/drawing/2014/main" id="{0AC07BC9-CFBA-C109-8A99-1CA50005C61E}"/>
               </a:ext>
             </a:extLst>
           </p:cNvPr>
@@ -252,7 +252,7 @@
           <a:bodyPr/>
           <a:lstStyle/>
           <a:p>
-            <a:fld id="{C980BDEC-33E7-47BD-95A5-A36DDE10911A}" type="datetimeFigureOut">
+            <a:fld id="{80E8F79C-2F2B-4261-AC07-217EE5D393F0}" type="datetimeFigureOut">
               <a:rPr lang="zh-CN" altLang="en-US" smtClean="0"/>
               <a:t>2024/3/10</a:t>
             </a:fld>
@@ -265,7 +265,7 @@
           <p:cNvPr id="5" name="页脚占位符 4">
             <a:extLst>
               <a:ext uri="{FF2B5EF4-FFF2-40B4-BE49-F238E27FC236}">
-                <a16:creationId xmlns:a16="http://schemas.microsoft.com/office/drawing/2014/main" id="{EA57D778-7154-6701-31EB-EAE2202E9F45}"/>
+                <a16:creationId xmlns:a16="http://schemas.microsoft.com/office/drawing/2014/main" id="{3D5982A5-F60F-1C03-FEEC-01E1D91E2AB1}"/>
               </a:ext>
             </a:extLst>
           </p:cNvPr>
@@ -290,7 +290,7 @@
           <p:cNvPr id="6" name="灯片编号占位符 5">
             <a:extLst>
               <a:ext uri="{FF2B5EF4-FFF2-40B4-BE49-F238E27FC236}">
-                <a16:creationId xmlns:a16="http://schemas.microsoft.com/office/drawing/2014/main" id="{2A7579DE-7DA6-0543-E5C0-598E4C752900}"/>
+                <a16:creationId xmlns:a16="http://schemas.microsoft.com/office/drawing/2014/main" id="{59DEB8AE-77EE-1DF7-D750-E245D707D19B}"/>
               </a:ext>
             </a:extLst>
           </p:cNvPr>
@@ -306,7 +306,7 @@
           <a:bodyPr/>
           <a:lstStyle/>
           <a:p>
-            <a:fld id="{AE5F8D95-94A0-4B30-BDD8-8601D7E6A1B3}" type="slidenum">
+            <a:fld id="{1BCEEA13-E7C9-4717-BE34-182E198CA416}" type="slidenum">
               <a:rPr lang="zh-CN" altLang="en-US" smtClean="0"/>
               <a:t>‹#›</a:t>
             </a:fld>
@@ -317,7 +317,7 @@
     </p:spTree>
     <p:extLst>
       <p:ext uri="{BB962C8B-B14F-4D97-AF65-F5344CB8AC3E}">
-        <p14:creationId xmlns:p14="http://schemas.microsoft.com/office/powerpoint/2010/main" val="3061245859"/>
+        <p14:creationId xmlns:p14="http://schemas.microsoft.com/office/powerpoint/2010/main" val="742446355"/>
       </p:ext>
     </p:extLst>
   </p:cSld>
@@ -349,7 +349,7 @@
           <p:cNvPr id="2" name="标题 1">
             <a:extLst>
               <a:ext uri="{FF2B5EF4-FFF2-40B4-BE49-F238E27FC236}">
-                <a16:creationId xmlns:a16="http://schemas.microsoft.com/office/drawing/2014/main" id="{3A2531D5-28A8-9034-45B3-9FCCB8528CD5}"/>
+                <a16:creationId xmlns:a16="http://schemas.microsoft.com/office/drawing/2014/main" id="{246D5892-932F-2789-05E9-0481B664A254}"/>
               </a:ext>
             </a:extLst>
           </p:cNvPr>
@@ -377,7 +377,7 @@
           <p:cNvPr id="3" name="竖排文字占位符 2">
             <a:extLst>
               <a:ext uri="{FF2B5EF4-FFF2-40B4-BE49-F238E27FC236}">
-                <a16:creationId xmlns:a16="http://schemas.microsoft.com/office/drawing/2014/main" id="{37C6B722-B4D4-F6DA-F77C-FAC04A04CD24}"/>
+                <a16:creationId xmlns:a16="http://schemas.microsoft.com/office/drawing/2014/main" id="{2ECA7B46-C990-ABC7-1D17-89DA3A1BF654}"/>
               </a:ext>
             </a:extLst>
           </p:cNvPr>
@@ -434,7 +434,7 @@
           <p:cNvPr id="4" name="日期占位符 3">
             <a:extLst>
               <a:ext uri="{FF2B5EF4-FFF2-40B4-BE49-F238E27FC236}">
-                <a16:creationId xmlns:a16="http://schemas.microsoft.com/office/drawing/2014/main" id="{177B79D3-CF10-CED8-46FB-3592264155A8}"/>
+                <a16:creationId xmlns:a16="http://schemas.microsoft.com/office/drawing/2014/main" id="{F6ED35A9-D128-8D09-0884-C985AFE57D9D}"/>
               </a:ext>
             </a:extLst>
           </p:cNvPr>
@@ -450,7 +450,7 @@
           <a:bodyPr/>
           <a:lstStyle/>
           <a:p>
-            <a:fld id="{C980BDEC-33E7-47BD-95A5-A36DDE10911A}" type="datetimeFigureOut">
+            <a:fld id="{80E8F79C-2F2B-4261-AC07-217EE5D393F0}" type="datetimeFigureOut">
               <a:rPr lang="zh-CN" altLang="en-US" smtClean="0"/>
               <a:t>2024/3/10</a:t>
             </a:fld>
@@ -463,7 +463,7 @@
           <p:cNvPr id="5" name="页脚占位符 4">
             <a:extLst>
               <a:ext uri="{FF2B5EF4-FFF2-40B4-BE49-F238E27FC236}">
-                <a16:creationId xmlns:a16="http://schemas.microsoft.com/office/drawing/2014/main" id="{48A69F81-E731-B3A8-4FD4-9CAD5273277E}"/>
+                <a16:creationId xmlns:a16="http://schemas.microsoft.com/office/drawing/2014/main" id="{87EC33A7-09A6-C678-0720-C9F1390182DF}"/>
               </a:ext>
             </a:extLst>
           </p:cNvPr>
@@ -488,7 +488,7 @@
           <p:cNvPr id="6" name="灯片编号占位符 5">
             <a:extLst>
               <a:ext uri="{FF2B5EF4-FFF2-40B4-BE49-F238E27FC236}">
-                <a16:creationId xmlns:a16="http://schemas.microsoft.com/office/drawing/2014/main" id="{EC9F8231-BF9E-6D84-D697-888D9D166190}"/>
+                <a16:creationId xmlns:a16="http://schemas.microsoft.com/office/drawing/2014/main" id="{0A21AA0B-14EA-09B9-89AB-8CDA9D4D3D15}"/>
               </a:ext>
             </a:extLst>
           </p:cNvPr>
@@ -504,7 +504,7 @@
           <a:bodyPr/>
           <a:lstStyle/>
           <a:p>
-            <a:fld id="{AE5F8D95-94A0-4B30-BDD8-8601D7E6A1B3}" type="slidenum">
+            <a:fld id="{1BCEEA13-E7C9-4717-BE34-182E198CA416}" type="slidenum">
               <a:rPr lang="zh-CN" altLang="en-US" smtClean="0"/>
               <a:t>‹#›</a:t>
             </a:fld>
@@ -515,7 +515,7 @@
     </p:spTree>
     <p:extLst>
       <p:ext uri="{BB962C8B-B14F-4D97-AF65-F5344CB8AC3E}">
-        <p14:creationId xmlns:p14="http://schemas.microsoft.com/office/powerpoint/2010/main" val="3785198317"/>
+        <p14:creationId xmlns:p14="http://schemas.microsoft.com/office/powerpoint/2010/main" val="121064673"/>
       </p:ext>
     </p:extLst>
   </p:cSld>
@@ -547,7 +547,7 @@
           <p:cNvPr id="2" name="竖排标题 1">
             <a:extLst>
               <a:ext uri="{FF2B5EF4-FFF2-40B4-BE49-F238E27FC236}">
-                <a16:creationId xmlns:a16="http://schemas.microsoft.com/office/drawing/2014/main" id="{F06AE7EB-53BF-29E7-693D-43045107F81B}"/>
+                <a16:creationId xmlns:a16="http://schemas.microsoft.com/office/drawing/2014/main" id="{7C404A1A-B707-81D7-4ACB-715F63236DD1}"/>
               </a:ext>
             </a:extLst>
           </p:cNvPr>
@@ -580,7 +580,7 @@
           <p:cNvPr id="3" name="竖排文字占位符 2">
             <a:extLst>
               <a:ext uri="{FF2B5EF4-FFF2-40B4-BE49-F238E27FC236}">
-                <a16:creationId xmlns:a16="http://schemas.microsoft.com/office/drawing/2014/main" id="{D6F67F36-EC67-7E82-4F43-5AA157A764E1}"/>
+                <a16:creationId xmlns:a16="http://schemas.microsoft.com/office/drawing/2014/main" id="{56976BB8-9ECB-ED87-A249-708697E5A971}"/>
               </a:ext>
             </a:extLst>
           </p:cNvPr>
@@ -642,7 +642,7 @@
           <p:cNvPr id="4" name="日期占位符 3">
             <a:extLst>
               <a:ext uri="{FF2B5EF4-FFF2-40B4-BE49-F238E27FC236}">
-                <a16:creationId xmlns:a16="http://schemas.microsoft.com/office/drawing/2014/main" id="{480690FC-6C3F-D5FA-2EF4-4C3B3544DED6}"/>
+                <a16:creationId xmlns:a16="http://schemas.microsoft.com/office/drawing/2014/main" id="{60B9981B-F363-ABD5-E839-0326F31DF7C6}"/>
               </a:ext>
             </a:extLst>
           </p:cNvPr>
@@ -658,7 +658,7 @@
           <a:bodyPr/>
           <a:lstStyle/>
           <a:p>
-            <a:fld id="{C980BDEC-33E7-47BD-95A5-A36DDE10911A}" type="datetimeFigureOut">
+            <a:fld id="{80E8F79C-2F2B-4261-AC07-217EE5D393F0}" type="datetimeFigureOut">
               <a:rPr lang="zh-CN" altLang="en-US" smtClean="0"/>
               <a:t>2024/3/10</a:t>
             </a:fld>
@@ -671,7 +671,7 @@
           <p:cNvPr id="5" name="页脚占位符 4">
             <a:extLst>
               <a:ext uri="{FF2B5EF4-FFF2-40B4-BE49-F238E27FC236}">
-                <a16:creationId xmlns:a16="http://schemas.microsoft.com/office/drawing/2014/main" id="{D4833CA8-E33A-9558-B500-552390C49FB0}"/>
+                <a16:creationId xmlns:a16="http://schemas.microsoft.com/office/drawing/2014/main" id="{108DA54D-17A9-0AB4-EA97-5D34D4D14D2D}"/>
               </a:ext>
             </a:extLst>
           </p:cNvPr>
@@ -696,7 +696,7 @@
           <p:cNvPr id="6" name="灯片编号占位符 5">
             <a:extLst>
               <a:ext uri="{FF2B5EF4-FFF2-40B4-BE49-F238E27FC236}">
-                <a16:creationId xmlns:a16="http://schemas.microsoft.com/office/drawing/2014/main" id="{C708D0D9-09E2-C092-4BD2-E551E714E11B}"/>
+                <a16:creationId xmlns:a16="http://schemas.microsoft.com/office/drawing/2014/main" id="{2FA8FC75-FF32-7B2C-2053-BF02D2F5600E}"/>
               </a:ext>
             </a:extLst>
           </p:cNvPr>
@@ -712,7 +712,7 @@
           <a:bodyPr/>
           <a:lstStyle/>
           <a:p>
-            <a:fld id="{AE5F8D95-94A0-4B30-BDD8-8601D7E6A1B3}" type="slidenum">
+            <a:fld id="{1BCEEA13-E7C9-4717-BE34-182E198CA416}" type="slidenum">
               <a:rPr lang="zh-CN" altLang="en-US" smtClean="0"/>
               <a:t>‹#›</a:t>
             </a:fld>
@@ -723,7 +723,7 @@
     </p:spTree>
     <p:extLst>
       <p:ext uri="{BB962C8B-B14F-4D97-AF65-F5344CB8AC3E}">
-        <p14:creationId xmlns:p14="http://schemas.microsoft.com/office/powerpoint/2010/main" val="1809902090"/>
+        <p14:creationId xmlns:p14="http://schemas.microsoft.com/office/powerpoint/2010/main" val="1551491812"/>
       </p:ext>
     </p:extLst>
   </p:cSld>
@@ -755,7 +755,7 @@
           <p:cNvPr id="2" name="标题 1">
             <a:extLst>
               <a:ext uri="{FF2B5EF4-FFF2-40B4-BE49-F238E27FC236}">
-                <a16:creationId xmlns:a16="http://schemas.microsoft.com/office/drawing/2014/main" id="{C3BCA5C8-AA11-C866-6B5B-AE660DD4912C}"/>
+                <a16:creationId xmlns:a16="http://schemas.microsoft.com/office/drawing/2014/main" id="{D688808C-1B18-0BC1-BE89-EF8B4D29BFD6}"/>
               </a:ext>
             </a:extLst>
           </p:cNvPr>
@@ -783,7 +783,7 @@
           <p:cNvPr id="3" name="内容占位符 2">
             <a:extLst>
               <a:ext uri="{FF2B5EF4-FFF2-40B4-BE49-F238E27FC236}">
-                <a16:creationId xmlns:a16="http://schemas.microsoft.com/office/drawing/2014/main" id="{465DE243-9FCF-768B-C8C4-C40F6AD4DF5E}"/>
+                <a16:creationId xmlns:a16="http://schemas.microsoft.com/office/drawing/2014/main" id="{5647E70D-B06D-53DF-E326-92D99FBA82C6}"/>
               </a:ext>
             </a:extLst>
           </p:cNvPr>
@@ -840,7 +840,7 @@
           <p:cNvPr id="4" name="日期占位符 3">
             <a:extLst>
               <a:ext uri="{FF2B5EF4-FFF2-40B4-BE49-F238E27FC236}">
-                <a16:creationId xmlns:a16="http://schemas.microsoft.com/office/drawing/2014/main" id="{6C044B81-B664-6544-1F6B-A6052038C34F}"/>
+                <a16:creationId xmlns:a16="http://schemas.microsoft.com/office/drawing/2014/main" id="{084C8CE2-43CD-25D7-6656-5369A0FF9FC3}"/>
               </a:ext>
             </a:extLst>
           </p:cNvPr>
@@ -856,7 +856,7 @@
           <a:bodyPr/>
           <a:lstStyle/>
           <a:p>
-            <a:fld id="{C980BDEC-33E7-47BD-95A5-A36DDE10911A}" type="datetimeFigureOut">
+            <a:fld id="{80E8F79C-2F2B-4261-AC07-217EE5D393F0}" type="datetimeFigureOut">
               <a:rPr lang="zh-CN" altLang="en-US" smtClean="0"/>
               <a:t>2024/3/10</a:t>
             </a:fld>
@@ -869,7 +869,7 @@
           <p:cNvPr id="5" name="页脚占位符 4">
             <a:extLst>
               <a:ext uri="{FF2B5EF4-FFF2-40B4-BE49-F238E27FC236}">
-                <a16:creationId xmlns:a16="http://schemas.microsoft.com/office/drawing/2014/main" id="{E5230504-8037-3E67-EA05-7F09D022D3E9}"/>
+                <a16:creationId xmlns:a16="http://schemas.microsoft.com/office/drawing/2014/main" id="{44276EAC-396D-4855-8B2A-E36DA511BEEB}"/>
               </a:ext>
             </a:extLst>
           </p:cNvPr>
@@ -894,7 +894,7 @@
           <p:cNvPr id="6" name="灯片编号占位符 5">
             <a:extLst>
               <a:ext uri="{FF2B5EF4-FFF2-40B4-BE49-F238E27FC236}">
-                <a16:creationId xmlns:a16="http://schemas.microsoft.com/office/drawing/2014/main" id="{63593E55-AB30-560A-3E71-B38324EF7E63}"/>
+                <a16:creationId xmlns:a16="http://schemas.microsoft.com/office/drawing/2014/main" id="{E96F0E4A-9978-89DF-D776-6A1795224B51}"/>
               </a:ext>
             </a:extLst>
           </p:cNvPr>
@@ -910,7 +910,7 @@
           <a:bodyPr/>
           <a:lstStyle/>
           <a:p>
-            <a:fld id="{AE5F8D95-94A0-4B30-BDD8-8601D7E6A1B3}" type="slidenum">
+            <a:fld id="{1BCEEA13-E7C9-4717-BE34-182E198CA416}" type="slidenum">
               <a:rPr lang="zh-CN" altLang="en-US" smtClean="0"/>
               <a:t>‹#›</a:t>
             </a:fld>
@@ -921,7 +921,7 @@
     </p:spTree>
     <p:extLst>
       <p:ext uri="{BB962C8B-B14F-4D97-AF65-F5344CB8AC3E}">
-        <p14:creationId xmlns:p14="http://schemas.microsoft.com/office/powerpoint/2010/main" val="2735464454"/>
+        <p14:creationId xmlns:p14="http://schemas.microsoft.com/office/powerpoint/2010/main" val="2023614280"/>
       </p:ext>
     </p:extLst>
   </p:cSld>
@@ -953,7 +953,7 @@
           <p:cNvPr id="2" name="标题 1">
             <a:extLst>
               <a:ext uri="{FF2B5EF4-FFF2-40B4-BE49-F238E27FC236}">
-                <a16:creationId xmlns:a16="http://schemas.microsoft.com/office/drawing/2014/main" id="{68A6A4FA-1DB2-FEBE-76D1-A30876CE137E}"/>
+                <a16:creationId xmlns:a16="http://schemas.microsoft.com/office/drawing/2014/main" id="{201F3D9A-ACDE-A59F-70C5-149E3854420B}"/>
               </a:ext>
             </a:extLst>
           </p:cNvPr>
@@ -990,7 +990,7 @@
           <p:cNvPr id="3" name="文本占位符 2">
             <a:extLst>
               <a:ext uri="{FF2B5EF4-FFF2-40B4-BE49-F238E27FC236}">
-                <a16:creationId xmlns:a16="http://schemas.microsoft.com/office/drawing/2014/main" id="{A4ED2143-D436-6FD5-742A-02C570215E5B}"/>
+                <a16:creationId xmlns:a16="http://schemas.microsoft.com/office/drawing/2014/main" id="{DF012437-0CAF-6241-8B1F-60BFD2C7B84D}"/>
               </a:ext>
             </a:extLst>
           </p:cNvPr>
@@ -1115,7 +1115,7 @@
           <p:cNvPr id="4" name="日期占位符 3">
             <a:extLst>
               <a:ext uri="{FF2B5EF4-FFF2-40B4-BE49-F238E27FC236}">
-                <a16:creationId xmlns:a16="http://schemas.microsoft.com/office/drawing/2014/main" id="{50666B35-7E1C-67D9-A3FA-BC1136902AC8}"/>
+                <a16:creationId xmlns:a16="http://schemas.microsoft.com/office/drawing/2014/main" id="{F3792919-2FC9-AFF7-FF31-E71DEBE6F711}"/>
               </a:ext>
             </a:extLst>
           </p:cNvPr>
@@ -1131,7 +1131,7 @@
           <a:bodyPr/>
           <a:lstStyle/>
           <a:p>
-            <a:fld id="{C980BDEC-33E7-47BD-95A5-A36DDE10911A}" type="datetimeFigureOut">
+            <a:fld id="{80E8F79C-2F2B-4261-AC07-217EE5D393F0}" type="datetimeFigureOut">
               <a:rPr lang="zh-CN" altLang="en-US" smtClean="0"/>
               <a:t>2024/3/10</a:t>
             </a:fld>
@@ -1144,7 +1144,7 @@
           <p:cNvPr id="5" name="页脚占位符 4">
             <a:extLst>
               <a:ext uri="{FF2B5EF4-FFF2-40B4-BE49-F238E27FC236}">
-                <a16:creationId xmlns:a16="http://schemas.microsoft.com/office/drawing/2014/main" id="{CD27D88C-0B0F-E9F0-0318-293D97F28B56}"/>
+                <a16:creationId xmlns:a16="http://schemas.microsoft.com/office/drawing/2014/main" id="{0FEDA82C-7318-EF28-7A33-4FF243FEC4AB}"/>
               </a:ext>
             </a:extLst>
           </p:cNvPr>
@@ -1169,7 +1169,7 @@
           <p:cNvPr id="6" name="灯片编号占位符 5">
             <a:extLst>
               <a:ext uri="{FF2B5EF4-FFF2-40B4-BE49-F238E27FC236}">
-                <a16:creationId xmlns:a16="http://schemas.microsoft.com/office/drawing/2014/main" id="{B60C2661-8845-49FD-4782-2761D240A11D}"/>
+                <a16:creationId xmlns:a16="http://schemas.microsoft.com/office/drawing/2014/main" id="{B1D04BBA-F2FC-AE98-992D-FB5B0D4530EC}"/>
               </a:ext>
             </a:extLst>
           </p:cNvPr>
@@ -1185,7 +1185,7 @@
           <a:bodyPr/>
           <a:lstStyle/>
           <a:p>
-            <a:fld id="{AE5F8D95-94A0-4B30-BDD8-8601D7E6A1B3}" type="slidenum">
+            <a:fld id="{1BCEEA13-E7C9-4717-BE34-182E198CA416}" type="slidenum">
               <a:rPr lang="zh-CN" altLang="en-US" smtClean="0"/>
               <a:t>‹#›</a:t>
             </a:fld>
@@ -1196,7 +1196,7 @@
     </p:spTree>
     <p:extLst>
       <p:ext uri="{BB962C8B-B14F-4D97-AF65-F5344CB8AC3E}">
-        <p14:creationId xmlns:p14="http://schemas.microsoft.com/office/powerpoint/2010/main" val="3296935156"/>
+        <p14:creationId xmlns:p14="http://schemas.microsoft.com/office/powerpoint/2010/main" val="689701195"/>
       </p:ext>
     </p:extLst>
   </p:cSld>
@@ -1228,7 +1228,7 @@
           <p:cNvPr id="2" name="标题 1">
             <a:extLst>
               <a:ext uri="{FF2B5EF4-FFF2-40B4-BE49-F238E27FC236}">
-                <a16:creationId xmlns:a16="http://schemas.microsoft.com/office/drawing/2014/main" id="{F7C4B438-ABD9-B161-4CEA-5010C9A79A20}"/>
+                <a16:creationId xmlns:a16="http://schemas.microsoft.com/office/drawing/2014/main" id="{56F79325-AAC6-B92F-0D17-810152AEC212}"/>
               </a:ext>
             </a:extLst>
           </p:cNvPr>
@@ -1256,7 +1256,7 @@
           <p:cNvPr id="3" name="内容占位符 2">
             <a:extLst>
               <a:ext uri="{FF2B5EF4-FFF2-40B4-BE49-F238E27FC236}">
-                <a16:creationId xmlns:a16="http://schemas.microsoft.com/office/drawing/2014/main" id="{2A7F9CB5-ADF0-737E-87B8-DC0ECC66B932}"/>
+                <a16:creationId xmlns:a16="http://schemas.microsoft.com/office/drawing/2014/main" id="{7348C5A6-1D15-7698-F8F4-DD653FD11D98}"/>
               </a:ext>
             </a:extLst>
           </p:cNvPr>
@@ -1318,7 +1318,7 @@
           <p:cNvPr id="4" name="内容占位符 3">
             <a:extLst>
               <a:ext uri="{FF2B5EF4-FFF2-40B4-BE49-F238E27FC236}">
-                <a16:creationId xmlns:a16="http://schemas.microsoft.com/office/drawing/2014/main" id="{A6A75755-1278-8346-319C-41D6E3218EC1}"/>
+                <a16:creationId xmlns:a16="http://schemas.microsoft.com/office/drawing/2014/main" id="{7048619D-D96A-901D-8675-649D8E6AD907}"/>
               </a:ext>
             </a:extLst>
           </p:cNvPr>
@@ -1380,7 +1380,7 @@
           <p:cNvPr id="5" name="日期占位符 4">
             <a:extLst>
               <a:ext uri="{FF2B5EF4-FFF2-40B4-BE49-F238E27FC236}">
-                <a16:creationId xmlns:a16="http://schemas.microsoft.com/office/drawing/2014/main" id="{F2754F11-CEBE-C39C-7926-663D742D05A0}"/>
+                <a16:creationId xmlns:a16="http://schemas.microsoft.com/office/drawing/2014/main" id="{3A1161F2-CC76-4D97-C552-AC9A1A65265E}"/>
               </a:ext>
             </a:extLst>
           </p:cNvPr>
@@ -1396,7 +1396,7 @@
           <a:bodyPr/>
           <a:lstStyle/>
           <a:p>
-            <a:fld id="{C980BDEC-33E7-47BD-95A5-A36DDE10911A}" type="datetimeFigureOut">
+            <a:fld id="{80E8F79C-2F2B-4261-AC07-217EE5D393F0}" type="datetimeFigureOut">
               <a:rPr lang="zh-CN" altLang="en-US" smtClean="0"/>
               <a:t>2024/3/10</a:t>
             </a:fld>
@@ -1409,7 +1409,7 @@
           <p:cNvPr id="6" name="页脚占位符 5">
             <a:extLst>
               <a:ext uri="{FF2B5EF4-FFF2-40B4-BE49-F238E27FC236}">
-                <a16:creationId xmlns:a16="http://schemas.microsoft.com/office/drawing/2014/main" id="{686FBFBC-3C99-914E-FC97-53FBD74356B3}"/>
+                <a16:creationId xmlns:a16="http://schemas.microsoft.com/office/drawing/2014/main" id="{1ED5BFB3-D65C-8CE8-FAD4-5FD251581C28}"/>
               </a:ext>
             </a:extLst>
           </p:cNvPr>
@@ -1434,7 +1434,7 @@
           <p:cNvPr id="7" name="灯片编号占位符 6">
             <a:extLst>
               <a:ext uri="{FF2B5EF4-FFF2-40B4-BE49-F238E27FC236}">
-                <a16:creationId xmlns:a16="http://schemas.microsoft.com/office/drawing/2014/main" id="{DA454EC5-489B-0414-D36A-17F975B71715}"/>
+                <a16:creationId xmlns:a16="http://schemas.microsoft.com/office/drawing/2014/main" id="{B0506BDE-6DDF-E279-658F-751D76911DF2}"/>
               </a:ext>
             </a:extLst>
           </p:cNvPr>
@@ -1450,7 +1450,7 @@
           <a:bodyPr/>
           <a:lstStyle/>
           <a:p>
-            <a:fld id="{AE5F8D95-94A0-4B30-BDD8-8601D7E6A1B3}" type="slidenum">
+            <a:fld id="{1BCEEA13-E7C9-4717-BE34-182E198CA416}" type="slidenum">
               <a:rPr lang="zh-CN" altLang="en-US" smtClean="0"/>
               <a:t>‹#›</a:t>
             </a:fld>
@@ -1461,7 +1461,7 @@
     </p:spTree>
     <p:extLst>
       <p:ext uri="{BB962C8B-B14F-4D97-AF65-F5344CB8AC3E}">
-        <p14:creationId xmlns:p14="http://schemas.microsoft.com/office/powerpoint/2010/main" val="3992339264"/>
+        <p14:creationId xmlns:p14="http://schemas.microsoft.com/office/powerpoint/2010/main" val="2350772751"/>
       </p:ext>
     </p:extLst>
   </p:cSld>
@@ -1493,7 +1493,7 @@
           <p:cNvPr id="2" name="标题 1">
             <a:extLst>
               <a:ext uri="{FF2B5EF4-FFF2-40B4-BE49-F238E27FC236}">
-                <a16:creationId xmlns:a16="http://schemas.microsoft.com/office/drawing/2014/main" id="{763A2A52-3706-3A04-3E59-82887E5F8945}"/>
+                <a16:creationId xmlns:a16="http://schemas.microsoft.com/office/drawing/2014/main" id="{8FCEBA84-15A8-3EC2-D6D0-1E8679594BA5}"/>
               </a:ext>
             </a:extLst>
           </p:cNvPr>
@@ -1526,7 +1526,7 @@
           <p:cNvPr id="3" name="文本占位符 2">
             <a:extLst>
               <a:ext uri="{FF2B5EF4-FFF2-40B4-BE49-F238E27FC236}">
-                <a16:creationId xmlns:a16="http://schemas.microsoft.com/office/drawing/2014/main" id="{9B61C3DB-9C49-6784-210B-17407FA048CB}"/>
+                <a16:creationId xmlns:a16="http://schemas.microsoft.com/office/drawing/2014/main" id="{B13D1BE5-EFE7-0AB7-CAAE-8513A48121AC}"/>
               </a:ext>
             </a:extLst>
           </p:cNvPr>
@@ -1597,7 +1597,7 @@
           <p:cNvPr id="4" name="内容占位符 3">
             <a:extLst>
               <a:ext uri="{FF2B5EF4-FFF2-40B4-BE49-F238E27FC236}">
-                <a16:creationId xmlns:a16="http://schemas.microsoft.com/office/drawing/2014/main" id="{8F97F844-D695-DF10-CE91-E622906C137A}"/>
+                <a16:creationId xmlns:a16="http://schemas.microsoft.com/office/drawing/2014/main" id="{936FDD28-1AD2-D361-0335-41C9F1D9616F}"/>
               </a:ext>
             </a:extLst>
           </p:cNvPr>
@@ -1659,7 +1659,7 @@
           <p:cNvPr id="5" name="文本占位符 4">
             <a:extLst>
               <a:ext uri="{FF2B5EF4-FFF2-40B4-BE49-F238E27FC236}">
-                <a16:creationId xmlns:a16="http://schemas.microsoft.com/office/drawing/2014/main" id="{ABB3B891-6F12-8587-36B9-2C3FF0B676FB}"/>
+                <a16:creationId xmlns:a16="http://schemas.microsoft.com/office/drawing/2014/main" id="{D4A5C79B-5A8A-A8CC-EF74-BCC6EAB779B3}"/>
               </a:ext>
             </a:extLst>
           </p:cNvPr>
@@ -1730,7 +1730,7 @@
           <p:cNvPr id="6" name="内容占位符 5">
             <a:extLst>
               <a:ext uri="{FF2B5EF4-FFF2-40B4-BE49-F238E27FC236}">
-                <a16:creationId xmlns:a16="http://schemas.microsoft.com/office/drawing/2014/main" id="{87A19781-E996-595B-B9CF-389E7D6BC9F0}"/>
+                <a16:creationId xmlns:a16="http://schemas.microsoft.com/office/drawing/2014/main" id="{B80575C0-D721-B683-D619-A52B0B43BFC6}"/>
               </a:ext>
             </a:extLst>
           </p:cNvPr>
@@ -1792,7 +1792,7 @@
           <p:cNvPr id="7" name="日期占位符 6">
             <a:extLst>
               <a:ext uri="{FF2B5EF4-FFF2-40B4-BE49-F238E27FC236}">
-                <a16:creationId xmlns:a16="http://schemas.microsoft.com/office/drawing/2014/main" id="{BCF2DC2F-3461-DEC5-15E0-1551865CE732}"/>
+                <a16:creationId xmlns:a16="http://schemas.microsoft.com/office/drawing/2014/main" id="{E2E456CF-3109-B973-7E8D-E1EDB6336362}"/>
               </a:ext>
             </a:extLst>
           </p:cNvPr>
@@ -1808,7 +1808,7 @@
           <a:bodyPr/>
           <a:lstStyle/>
           <a:p>
-            <a:fld id="{C980BDEC-33E7-47BD-95A5-A36DDE10911A}" type="datetimeFigureOut">
+            <a:fld id="{80E8F79C-2F2B-4261-AC07-217EE5D393F0}" type="datetimeFigureOut">
               <a:rPr lang="zh-CN" altLang="en-US" smtClean="0"/>
               <a:t>2024/3/10</a:t>
             </a:fld>
@@ -1821,7 +1821,7 @@
           <p:cNvPr id="8" name="页脚占位符 7">
             <a:extLst>
               <a:ext uri="{FF2B5EF4-FFF2-40B4-BE49-F238E27FC236}">
-                <a16:creationId xmlns:a16="http://schemas.microsoft.com/office/drawing/2014/main" id="{3E730BF4-D47E-40AB-6009-FE37D63DFE2A}"/>
+                <a16:creationId xmlns:a16="http://schemas.microsoft.com/office/drawing/2014/main" id="{4A15BD00-545A-F5D5-00E8-08016E461A94}"/>
               </a:ext>
             </a:extLst>
           </p:cNvPr>
@@ -1846,7 +1846,7 @@
           <p:cNvPr id="9" name="灯片编号占位符 8">
             <a:extLst>
               <a:ext uri="{FF2B5EF4-FFF2-40B4-BE49-F238E27FC236}">
-                <a16:creationId xmlns:a16="http://schemas.microsoft.com/office/drawing/2014/main" id="{B4BB23FB-8350-4339-C041-2F4721A7B847}"/>
+                <a16:creationId xmlns:a16="http://schemas.microsoft.com/office/drawing/2014/main" id="{3D7E105B-765C-EEEC-7EE3-CF8A5573B01E}"/>
               </a:ext>
             </a:extLst>
           </p:cNvPr>
@@ -1862,7 +1862,7 @@
           <a:bodyPr/>
           <a:lstStyle/>
           <a:p>
-            <a:fld id="{AE5F8D95-94A0-4B30-BDD8-8601D7E6A1B3}" type="slidenum">
+            <a:fld id="{1BCEEA13-E7C9-4717-BE34-182E198CA416}" type="slidenum">
               <a:rPr lang="zh-CN" altLang="en-US" smtClean="0"/>
               <a:t>‹#›</a:t>
             </a:fld>
@@ -1873,7 +1873,7 @@
     </p:spTree>
     <p:extLst>
       <p:ext uri="{BB962C8B-B14F-4D97-AF65-F5344CB8AC3E}">
-        <p14:creationId xmlns:p14="http://schemas.microsoft.com/office/powerpoint/2010/main" val="4221143028"/>
+        <p14:creationId xmlns:p14="http://schemas.microsoft.com/office/powerpoint/2010/main" val="91908378"/>
       </p:ext>
     </p:extLst>
   </p:cSld>
@@ -1905,7 +1905,7 @@
           <p:cNvPr id="2" name="标题 1">
             <a:extLst>
               <a:ext uri="{FF2B5EF4-FFF2-40B4-BE49-F238E27FC236}">
-                <a16:creationId xmlns:a16="http://schemas.microsoft.com/office/drawing/2014/main" id="{ADC60886-4F5A-691C-1766-2F62C8CFDF12}"/>
+                <a16:creationId xmlns:a16="http://schemas.microsoft.com/office/drawing/2014/main" id="{5FC0EEAE-527F-1054-EAB7-4126FD249515}"/>
               </a:ext>
             </a:extLst>
           </p:cNvPr>
@@ -1933,7 +1933,7 @@
           <p:cNvPr id="3" name="日期占位符 2">
             <a:extLst>
               <a:ext uri="{FF2B5EF4-FFF2-40B4-BE49-F238E27FC236}">
-                <a16:creationId xmlns:a16="http://schemas.microsoft.com/office/drawing/2014/main" id="{3E1F7683-E5DB-008A-002D-175AA7A5F114}"/>
+                <a16:creationId xmlns:a16="http://schemas.microsoft.com/office/drawing/2014/main" id="{0966E698-1D2F-008D-81A6-770EFB6B3C68}"/>
               </a:ext>
             </a:extLst>
           </p:cNvPr>
@@ -1949,7 +1949,7 @@
           <a:bodyPr/>
           <a:lstStyle/>
           <a:p>
-            <a:fld id="{C980BDEC-33E7-47BD-95A5-A36DDE10911A}" type="datetimeFigureOut">
+            <a:fld id="{80E8F79C-2F2B-4261-AC07-217EE5D393F0}" type="datetimeFigureOut">
               <a:rPr lang="zh-CN" altLang="en-US" smtClean="0"/>
               <a:t>2024/3/10</a:t>
             </a:fld>
@@ -1962,7 +1962,7 @@
           <p:cNvPr id="4" name="页脚占位符 3">
             <a:extLst>
               <a:ext uri="{FF2B5EF4-FFF2-40B4-BE49-F238E27FC236}">
-                <a16:creationId xmlns:a16="http://schemas.microsoft.com/office/drawing/2014/main" id="{D3FB54DF-4631-9CD9-37D2-F62AB09B665F}"/>
+                <a16:creationId xmlns:a16="http://schemas.microsoft.com/office/drawing/2014/main" id="{416005AC-F346-3CC5-DB8A-76C8A69E7DDF}"/>
               </a:ext>
             </a:extLst>
           </p:cNvPr>
@@ -1987,7 +1987,7 @@
           <p:cNvPr id="5" name="灯片编号占位符 4">
             <a:extLst>
               <a:ext uri="{FF2B5EF4-FFF2-40B4-BE49-F238E27FC236}">
-                <a16:creationId xmlns:a16="http://schemas.microsoft.com/office/drawing/2014/main" id="{81422C4D-B5A5-EA4D-D8DC-84702E052DB6}"/>
+                <a16:creationId xmlns:a16="http://schemas.microsoft.com/office/drawing/2014/main" id="{682393AA-AAF8-804E-CDB2-4D8ACE901A97}"/>
               </a:ext>
             </a:extLst>
           </p:cNvPr>
@@ -2003,7 +2003,7 @@
           <a:bodyPr/>
           <a:lstStyle/>
           <a:p>
-            <a:fld id="{AE5F8D95-94A0-4B30-BDD8-8601D7E6A1B3}" type="slidenum">
+            <a:fld id="{1BCEEA13-E7C9-4717-BE34-182E198CA416}" type="slidenum">
               <a:rPr lang="zh-CN" altLang="en-US" smtClean="0"/>
               <a:t>‹#›</a:t>
             </a:fld>
@@ -2014,7 +2014,7 @@
     </p:spTree>
     <p:extLst>
       <p:ext uri="{BB962C8B-B14F-4D97-AF65-F5344CB8AC3E}">
-        <p14:creationId xmlns:p14="http://schemas.microsoft.com/office/powerpoint/2010/main" val="862565135"/>
+        <p14:creationId xmlns:p14="http://schemas.microsoft.com/office/powerpoint/2010/main" val="1592033207"/>
       </p:ext>
     </p:extLst>
   </p:cSld>
@@ -2046,7 +2046,7 @@
           <p:cNvPr id="2" name="日期占位符 1">
             <a:extLst>
               <a:ext uri="{FF2B5EF4-FFF2-40B4-BE49-F238E27FC236}">
-                <a16:creationId xmlns:a16="http://schemas.microsoft.com/office/drawing/2014/main" id="{40FF4801-1EEB-44AF-5969-597FD041ACD6}"/>
+                <a16:creationId xmlns:a16="http://schemas.microsoft.com/office/drawing/2014/main" id="{6A200857-B100-5EA6-9478-7D1C4A76F415}"/>
               </a:ext>
             </a:extLst>
           </p:cNvPr>
@@ -2062,7 +2062,7 @@
           <a:bodyPr/>
           <a:lstStyle/>
           <a:p>
-            <a:fld id="{C980BDEC-33E7-47BD-95A5-A36DDE10911A}" type="datetimeFigureOut">
+            <a:fld id="{80E8F79C-2F2B-4261-AC07-217EE5D393F0}" type="datetimeFigureOut">
               <a:rPr lang="zh-CN" altLang="en-US" smtClean="0"/>
               <a:t>2024/3/10</a:t>
             </a:fld>
@@ -2075,7 +2075,7 @@
           <p:cNvPr id="3" name="页脚占位符 2">
             <a:extLst>
               <a:ext uri="{FF2B5EF4-FFF2-40B4-BE49-F238E27FC236}">
-                <a16:creationId xmlns:a16="http://schemas.microsoft.com/office/drawing/2014/main" id="{CB8D3641-356B-ADA5-1455-7D7CEA413E98}"/>
+                <a16:creationId xmlns:a16="http://schemas.microsoft.com/office/drawing/2014/main" id="{CD1602C2-D0D0-7B53-4251-A39FE2ED519E}"/>
               </a:ext>
             </a:extLst>
           </p:cNvPr>
@@ -2100,7 +2100,7 @@
           <p:cNvPr id="4" name="灯片编号占位符 3">
             <a:extLst>
               <a:ext uri="{FF2B5EF4-FFF2-40B4-BE49-F238E27FC236}">
-                <a16:creationId xmlns:a16="http://schemas.microsoft.com/office/drawing/2014/main" id="{97D83AE8-9946-4AA2-7023-2B2E9603D7F7}"/>
+                <a16:creationId xmlns:a16="http://schemas.microsoft.com/office/drawing/2014/main" id="{D59D74B5-747D-A25E-8C02-EBB55D061D6E}"/>
               </a:ext>
             </a:extLst>
           </p:cNvPr>
@@ -2116,7 +2116,7 @@
           <a:bodyPr/>
           <a:lstStyle/>
           <a:p>
-            <a:fld id="{AE5F8D95-94A0-4B30-BDD8-8601D7E6A1B3}" type="slidenum">
+            <a:fld id="{1BCEEA13-E7C9-4717-BE34-182E198CA416}" type="slidenum">
               <a:rPr lang="zh-CN" altLang="en-US" smtClean="0"/>
               <a:t>‹#›</a:t>
             </a:fld>
@@ -2127,7 +2127,7 @@
     </p:spTree>
     <p:extLst>
       <p:ext uri="{BB962C8B-B14F-4D97-AF65-F5344CB8AC3E}">
-        <p14:creationId xmlns:p14="http://schemas.microsoft.com/office/powerpoint/2010/main" val="2602385727"/>
+        <p14:creationId xmlns:p14="http://schemas.microsoft.com/office/powerpoint/2010/main" val="2809031790"/>
       </p:ext>
     </p:extLst>
   </p:cSld>
@@ -2159,7 +2159,7 @@
           <p:cNvPr id="2" name="标题 1">
             <a:extLst>
               <a:ext uri="{FF2B5EF4-FFF2-40B4-BE49-F238E27FC236}">
-                <a16:creationId xmlns:a16="http://schemas.microsoft.com/office/drawing/2014/main" id="{C97FF6DA-C849-070C-7A0B-A0DB8B63A18A}"/>
+                <a16:creationId xmlns:a16="http://schemas.microsoft.com/office/drawing/2014/main" id="{21D0AFAB-F2D8-5DBE-DC85-CDD03564561C}"/>
               </a:ext>
             </a:extLst>
           </p:cNvPr>
@@ -2196,7 +2196,7 @@
           <p:cNvPr id="3" name="内容占位符 2">
             <a:extLst>
               <a:ext uri="{FF2B5EF4-FFF2-40B4-BE49-F238E27FC236}">
-                <a16:creationId xmlns:a16="http://schemas.microsoft.com/office/drawing/2014/main" id="{8AF38D4C-9D0A-CEDD-F282-99838658F82D}"/>
+                <a16:creationId xmlns:a16="http://schemas.microsoft.com/office/drawing/2014/main" id="{D3D747B1-2AA6-448E-F7E8-8FA8E46217AE}"/>
               </a:ext>
             </a:extLst>
           </p:cNvPr>
@@ -2286,7 +2286,7 @@
           <p:cNvPr id="4" name="文本占位符 3">
             <a:extLst>
               <a:ext uri="{FF2B5EF4-FFF2-40B4-BE49-F238E27FC236}">
-                <a16:creationId xmlns:a16="http://schemas.microsoft.com/office/drawing/2014/main" id="{76071A6B-E45A-EC34-AFE9-C9BC5B91791E}"/>
+                <a16:creationId xmlns:a16="http://schemas.microsoft.com/office/drawing/2014/main" id="{4116F95B-AE76-DF14-1384-3CFC69290FD3}"/>
               </a:ext>
             </a:extLst>
           </p:cNvPr>
@@ -2357,7 +2357,7 @@
           <p:cNvPr id="5" name="日期占位符 4">
             <a:extLst>
               <a:ext uri="{FF2B5EF4-FFF2-40B4-BE49-F238E27FC236}">
-                <a16:creationId xmlns:a16="http://schemas.microsoft.com/office/drawing/2014/main" id="{4B323380-A201-0305-B543-7CE2F335F447}"/>
+                <a16:creationId xmlns:a16="http://schemas.microsoft.com/office/drawing/2014/main" id="{070F1052-A775-73C9-0579-87F6BB81B2AA}"/>
               </a:ext>
             </a:extLst>
           </p:cNvPr>
@@ -2373,7 +2373,7 @@
           <a:bodyPr/>
           <a:lstStyle/>
           <a:p>
-            <a:fld id="{C980BDEC-33E7-47BD-95A5-A36DDE10911A}" type="datetimeFigureOut">
+            <a:fld id="{80E8F79C-2F2B-4261-AC07-217EE5D393F0}" type="datetimeFigureOut">
               <a:rPr lang="zh-CN" altLang="en-US" smtClean="0"/>
               <a:t>2024/3/10</a:t>
             </a:fld>
@@ -2386,7 +2386,7 @@
           <p:cNvPr id="6" name="页脚占位符 5">
             <a:extLst>
               <a:ext uri="{FF2B5EF4-FFF2-40B4-BE49-F238E27FC236}">
-                <a16:creationId xmlns:a16="http://schemas.microsoft.com/office/drawing/2014/main" id="{8B4DDC11-3E99-B834-72FC-45E23A8DAF03}"/>
+                <a16:creationId xmlns:a16="http://schemas.microsoft.com/office/drawing/2014/main" id="{D354E175-63ED-08EF-3D84-67BC9F64FD89}"/>
               </a:ext>
             </a:extLst>
           </p:cNvPr>
@@ -2411,7 +2411,7 @@
           <p:cNvPr id="7" name="灯片编号占位符 6">
             <a:extLst>
               <a:ext uri="{FF2B5EF4-FFF2-40B4-BE49-F238E27FC236}">
-                <a16:creationId xmlns:a16="http://schemas.microsoft.com/office/drawing/2014/main" id="{1215C28B-2DB0-4F09-9E25-59B3272932D8}"/>
+                <a16:creationId xmlns:a16="http://schemas.microsoft.com/office/drawing/2014/main" id="{B10A9625-C5A3-0D70-D160-7DD5A8A2FC4F}"/>
               </a:ext>
             </a:extLst>
           </p:cNvPr>
@@ -2427,7 +2427,7 @@
           <a:bodyPr/>
           <a:lstStyle/>
           <a:p>
-            <a:fld id="{AE5F8D95-94A0-4B30-BDD8-8601D7E6A1B3}" type="slidenum">
+            <a:fld id="{1BCEEA13-E7C9-4717-BE34-182E198CA416}" type="slidenum">
               <a:rPr lang="zh-CN" altLang="en-US" smtClean="0"/>
               <a:t>‹#›</a:t>
             </a:fld>
@@ -2438,7 +2438,7 @@
     </p:spTree>
     <p:extLst>
       <p:ext uri="{BB962C8B-B14F-4D97-AF65-F5344CB8AC3E}">
-        <p14:creationId xmlns:p14="http://schemas.microsoft.com/office/powerpoint/2010/main" val="546808603"/>
+        <p14:creationId xmlns:p14="http://schemas.microsoft.com/office/powerpoint/2010/main" val="1383210581"/>
       </p:ext>
     </p:extLst>
   </p:cSld>
@@ -2470,7 +2470,7 @@
           <p:cNvPr id="2" name="标题 1">
             <a:extLst>
               <a:ext uri="{FF2B5EF4-FFF2-40B4-BE49-F238E27FC236}">
-                <a16:creationId xmlns:a16="http://schemas.microsoft.com/office/drawing/2014/main" id="{1837AB60-26D5-9244-E634-9A2E6B7A6746}"/>
+                <a16:creationId xmlns:a16="http://schemas.microsoft.com/office/drawing/2014/main" id="{3F11F4FB-CB22-EA8F-2B18-D9296AF13BCF}"/>
               </a:ext>
             </a:extLst>
           </p:cNvPr>
@@ -2507,7 +2507,7 @@
           <p:cNvPr id="3" name="图片占位符 2">
             <a:extLst>
               <a:ext uri="{FF2B5EF4-FFF2-40B4-BE49-F238E27FC236}">
-                <a16:creationId xmlns:a16="http://schemas.microsoft.com/office/drawing/2014/main" id="{CB5B24FF-6ABD-2AD1-43F4-AA6BA8FF7F6E}"/>
+                <a16:creationId xmlns:a16="http://schemas.microsoft.com/office/drawing/2014/main" id="{98B2A275-18A0-ADC6-9B27-2AFB5A126668}"/>
               </a:ext>
             </a:extLst>
           </p:cNvPr>
@@ -2574,7 +2574,7 @@
           <p:cNvPr id="4" name="文本占位符 3">
             <a:extLst>
               <a:ext uri="{FF2B5EF4-FFF2-40B4-BE49-F238E27FC236}">
-                <a16:creationId xmlns:a16="http://schemas.microsoft.com/office/drawing/2014/main" id="{C9CCF3C4-100F-8C6B-E1AC-2991BDF9DD8C}"/>
+                <a16:creationId xmlns:a16="http://schemas.microsoft.com/office/drawing/2014/main" id="{DD29A09F-10ED-F63F-3F50-09ED0DE06C66}"/>
               </a:ext>
             </a:extLst>
           </p:cNvPr>
@@ -2645,7 +2645,7 @@
           <p:cNvPr id="5" name="日期占位符 4">
             <a:extLst>
               <a:ext uri="{FF2B5EF4-FFF2-40B4-BE49-F238E27FC236}">
-                <a16:creationId xmlns:a16="http://schemas.microsoft.com/office/drawing/2014/main" id="{0EB1C471-08E2-219E-8052-47A020A01A9E}"/>
+                <a16:creationId xmlns:a16="http://schemas.microsoft.com/office/drawing/2014/main" id="{3937A0EF-286F-1191-FE9A-C41D558D6366}"/>
               </a:ext>
             </a:extLst>
           </p:cNvPr>
@@ -2661,7 +2661,7 @@
           <a:bodyPr/>
           <a:lstStyle/>
           <a:p>
-            <a:fld id="{C980BDEC-33E7-47BD-95A5-A36DDE10911A}" type="datetimeFigureOut">
+            <a:fld id="{80E8F79C-2F2B-4261-AC07-217EE5D393F0}" type="datetimeFigureOut">
               <a:rPr lang="zh-CN" altLang="en-US" smtClean="0"/>
               <a:t>2024/3/10</a:t>
             </a:fld>
@@ -2674,7 +2674,7 @@
           <p:cNvPr id="6" name="页脚占位符 5">
             <a:extLst>
               <a:ext uri="{FF2B5EF4-FFF2-40B4-BE49-F238E27FC236}">
-                <a16:creationId xmlns:a16="http://schemas.microsoft.com/office/drawing/2014/main" id="{B1A31F56-097E-9D0D-A4BD-E46D0B3284AF}"/>
+                <a16:creationId xmlns:a16="http://schemas.microsoft.com/office/drawing/2014/main" id="{61DCD572-E6C5-EBE3-A149-45A1FE03B169}"/>
               </a:ext>
             </a:extLst>
           </p:cNvPr>
@@ -2699,7 +2699,7 @@
           <p:cNvPr id="7" name="灯片编号占位符 6">
             <a:extLst>
               <a:ext uri="{FF2B5EF4-FFF2-40B4-BE49-F238E27FC236}">
-                <a16:creationId xmlns:a16="http://schemas.microsoft.com/office/drawing/2014/main" id="{28204926-7168-0A9B-D8D4-12F9D3E4B558}"/>
+                <a16:creationId xmlns:a16="http://schemas.microsoft.com/office/drawing/2014/main" id="{EF41DD80-057B-874C-6F7C-480FD7081664}"/>
               </a:ext>
             </a:extLst>
           </p:cNvPr>
@@ -2715,7 +2715,7 @@
           <a:bodyPr/>
           <a:lstStyle/>
           <a:p>
-            <a:fld id="{AE5F8D95-94A0-4B30-BDD8-8601D7E6A1B3}" type="slidenum">
+            <a:fld id="{1BCEEA13-E7C9-4717-BE34-182E198CA416}" type="slidenum">
               <a:rPr lang="zh-CN" altLang="en-US" smtClean="0"/>
               <a:t>‹#›</a:t>
             </a:fld>
@@ -2726,7 +2726,7 @@
     </p:spTree>
     <p:extLst>
       <p:ext uri="{BB962C8B-B14F-4D97-AF65-F5344CB8AC3E}">
-        <p14:creationId xmlns:p14="http://schemas.microsoft.com/office/powerpoint/2010/main" val="3673419900"/>
+        <p14:creationId xmlns:p14="http://schemas.microsoft.com/office/powerpoint/2010/main" val="2154620941"/>
       </p:ext>
     </p:extLst>
   </p:cSld>
@@ -2763,7 +2763,7 @@
           <p:cNvPr id="2" name="标题占位符 1">
             <a:extLst>
               <a:ext uri="{FF2B5EF4-FFF2-40B4-BE49-F238E27FC236}">
-                <a16:creationId xmlns:a16="http://schemas.microsoft.com/office/drawing/2014/main" id="{BEF333AD-4503-2D0B-3D2F-B00AA3C47944}"/>
+                <a16:creationId xmlns:a16="http://schemas.microsoft.com/office/drawing/2014/main" id="{42AAD741-BE32-FFDD-6454-78E82B1DE560}"/>
               </a:ext>
             </a:extLst>
           </p:cNvPr>
@@ -2801,7 +2801,7 @@
           <p:cNvPr id="3" name="文本占位符 2">
             <a:extLst>
               <a:ext uri="{FF2B5EF4-FFF2-40B4-BE49-F238E27FC236}">
-                <a16:creationId xmlns:a16="http://schemas.microsoft.com/office/drawing/2014/main" id="{171DD665-CCA0-83A3-0DCC-E7AB29719979}"/>
+                <a16:creationId xmlns:a16="http://schemas.microsoft.com/office/drawing/2014/main" id="{A2652D11-8FCE-892B-CA0E-CE4A0714A7AC}"/>
               </a:ext>
             </a:extLst>
           </p:cNvPr>
@@ -2868,7 +2868,7 @@
           <p:cNvPr id="4" name="日期占位符 3">
             <a:extLst>
               <a:ext uri="{FF2B5EF4-FFF2-40B4-BE49-F238E27FC236}">
-                <a16:creationId xmlns:a16="http://schemas.microsoft.com/office/drawing/2014/main" id="{9A765CB3-8D0D-47FB-DAC6-9239D7574A30}"/>
+                <a16:creationId xmlns:a16="http://schemas.microsoft.com/office/drawing/2014/main" id="{FFDBF327-D3A9-03AD-3051-1296DAD4BCB6}"/>
               </a:ext>
             </a:extLst>
           </p:cNvPr>
@@ -2902,7 +2902,7 @@
             </a:lvl1pPr>
           </a:lstStyle>
           <a:p>
-            <a:fld id="{C980BDEC-33E7-47BD-95A5-A36DDE10911A}" type="datetimeFigureOut">
+            <a:fld id="{80E8F79C-2F2B-4261-AC07-217EE5D393F0}" type="datetimeFigureOut">
               <a:rPr lang="zh-CN" altLang="en-US" smtClean="0"/>
               <a:t>2024/3/10</a:t>
             </a:fld>
@@ -2915,7 +2915,7 @@
           <p:cNvPr id="5" name="页脚占位符 4">
             <a:extLst>
               <a:ext uri="{FF2B5EF4-FFF2-40B4-BE49-F238E27FC236}">
-                <a16:creationId xmlns:a16="http://schemas.microsoft.com/office/drawing/2014/main" id="{EF769E9C-5E1C-4D2B-E466-05AF8FC3BEFB}"/>
+                <a16:creationId xmlns:a16="http://schemas.microsoft.com/office/drawing/2014/main" id="{C29541C0-7EF6-CB0E-8B6A-E78927E56659}"/>
               </a:ext>
             </a:extLst>
           </p:cNvPr>
@@ -2958,7 +2958,7 @@
           <p:cNvPr id="6" name="灯片编号占位符 5">
             <a:extLst>
               <a:ext uri="{FF2B5EF4-FFF2-40B4-BE49-F238E27FC236}">
-                <a16:creationId xmlns:a16="http://schemas.microsoft.com/office/drawing/2014/main" id="{F74433BD-CB82-B465-9043-0704774AD773}"/>
+                <a16:creationId xmlns:a16="http://schemas.microsoft.com/office/drawing/2014/main" id="{E07AFA61-C5B4-EF81-028F-D4EED37823AB}"/>
               </a:ext>
             </a:extLst>
           </p:cNvPr>
@@ -2992,7 +2992,7 @@
             </a:lvl1pPr>
           </a:lstStyle>
           <a:p>
-            <a:fld id="{AE5F8D95-94A0-4B30-BDD8-8601D7E6A1B3}" type="slidenum">
+            <a:fld id="{1BCEEA13-E7C9-4717-BE34-182E198CA416}" type="slidenum">
               <a:rPr lang="zh-CN" altLang="en-US" smtClean="0"/>
               <a:t>‹#›</a:t>
             </a:fld>
@@ -3003,7 +3003,7 @@
     </p:spTree>
     <p:extLst>
       <p:ext uri="{BB962C8B-B14F-4D97-AF65-F5344CB8AC3E}">
-        <p14:creationId xmlns:p14="http://schemas.microsoft.com/office/powerpoint/2010/main" val="427172169"/>
+        <p14:creationId xmlns:p14="http://schemas.microsoft.com/office/powerpoint/2010/main" val="2749588895"/>
       </p:ext>
     </p:extLst>
   </p:cSld>
